--- a/Orbán Viktor.pptx
+++ b/Orbán Viktor.pptx
@@ -278,7 +278,7 @@
           <a:p>
             <a:fld id="{3A84801B-013B-4433-8592-825DB502E9CD}" type="datetimeFigureOut">
               <a:rPr lang="hu-HU" smtClean="0"/>
-              <a:t>2024.04.22</a:t>
+              <a:t>2024.04.29</a:t>
             </a:fld>
             <a:endParaRPr lang="hu-HU"/>
           </a:p>
@@ -476,7 +476,7 @@
           <a:p>
             <a:fld id="{3A84801B-013B-4433-8592-825DB502E9CD}" type="datetimeFigureOut">
               <a:rPr lang="hu-HU" smtClean="0"/>
-              <a:t>2024.04.22</a:t>
+              <a:t>2024.04.29</a:t>
             </a:fld>
             <a:endParaRPr lang="hu-HU"/>
           </a:p>
@@ -684,7 +684,7 @@
           <a:p>
             <a:fld id="{3A84801B-013B-4433-8592-825DB502E9CD}" type="datetimeFigureOut">
               <a:rPr lang="hu-HU" smtClean="0"/>
-              <a:t>2024.04.22</a:t>
+              <a:t>2024.04.29</a:t>
             </a:fld>
             <a:endParaRPr lang="hu-HU"/>
           </a:p>
@@ -882,7 +882,7 @@
           <a:p>
             <a:fld id="{3A84801B-013B-4433-8592-825DB502E9CD}" type="datetimeFigureOut">
               <a:rPr lang="hu-HU" smtClean="0"/>
-              <a:t>2024.04.22</a:t>
+              <a:t>2024.04.29</a:t>
             </a:fld>
             <a:endParaRPr lang="hu-HU"/>
           </a:p>
@@ -1157,7 +1157,7 @@
           <a:p>
             <a:fld id="{3A84801B-013B-4433-8592-825DB502E9CD}" type="datetimeFigureOut">
               <a:rPr lang="hu-HU" smtClean="0"/>
-              <a:t>2024.04.22</a:t>
+              <a:t>2024.04.29</a:t>
             </a:fld>
             <a:endParaRPr lang="hu-HU"/>
           </a:p>
@@ -1422,7 +1422,7 @@
           <a:p>
             <a:fld id="{3A84801B-013B-4433-8592-825DB502E9CD}" type="datetimeFigureOut">
               <a:rPr lang="hu-HU" smtClean="0"/>
-              <a:t>2024.04.22</a:t>
+              <a:t>2024.04.29</a:t>
             </a:fld>
             <a:endParaRPr lang="hu-HU"/>
           </a:p>
@@ -1834,7 +1834,7 @@
           <a:p>
             <a:fld id="{3A84801B-013B-4433-8592-825DB502E9CD}" type="datetimeFigureOut">
               <a:rPr lang="hu-HU" smtClean="0"/>
-              <a:t>2024.04.22</a:t>
+              <a:t>2024.04.29</a:t>
             </a:fld>
             <a:endParaRPr lang="hu-HU"/>
           </a:p>
@@ -1975,7 +1975,7 @@
           <a:p>
             <a:fld id="{3A84801B-013B-4433-8592-825DB502E9CD}" type="datetimeFigureOut">
               <a:rPr lang="hu-HU" smtClean="0"/>
-              <a:t>2024.04.22</a:t>
+              <a:t>2024.04.29</a:t>
             </a:fld>
             <a:endParaRPr lang="hu-HU"/>
           </a:p>
@@ -2088,7 +2088,7 @@
           <a:p>
             <a:fld id="{3A84801B-013B-4433-8592-825DB502E9CD}" type="datetimeFigureOut">
               <a:rPr lang="hu-HU" smtClean="0"/>
-              <a:t>2024.04.22</a:t>
+              <a:t>2024.04.29</a:t>
             </a:fld>
             <a:endParaRPr lang="hu-HU"/>
           </a:p>
@@ -2399,7 +2399,7 @@
           <a:p>
             <a:fld id="{3A84801B-013B-4433-8592-825DB502E9CD}" type="datetimeFigureOut">
               <a:rPr lang="hu-HU" smtClean="0"/>
-              <a:t>2024.04.22</a:t>
+              <a:t>2024.04.29</a:t>
             </a:fld>
             <a:endParaRPr lang="hu-HU"/>
           </a:p>
@@ -2687,7 +2687,7 @@
           <a:p>
             <a:fld id="{3A84801B-013B-4433-8592-825DB502E9CD}" type="datetimeFigureOut">
               <a:rPr lang="hu-HU" smtClean="0"/>
-              <a:t>2024.04.22</a:t>
+              <a:t>2024.04.29</a:t>
             </a:fld>
             <a:endParaRPr lang="hu-HU"/>
           </a:p>
@@ -2931,7 +2931,7 @@
           <a:p>
             <a:fld id="{3A84801B-013B-4433-8592-825DB502E9CD}" type="datetimeFigureOut">
               <a:rPr lang="hu-HU" smtClean="0"/>
-              <a:t>2024.04.22</a:t>
+              <a:t>2024.04.29</a:t>
             </a:fld>
             <a:endParaRPr lang="hu-HU"/>
           </a:p>
@@ -3477,10 +3477,10 @@
       </p:grpSpPr>
       <p:grpSp>
         <p:nvGrpSpPr>
-          <p:cNvPr id="7" name="Csoportba foglalás 6">
-            <a:extLst>
-              <a:ext uri="{FF2B5EF4-FFF2-40B4-BE49-F238E27FC236}">
-                <a16:creationId xmlns:a16="http://schemas.microsoft.com/office/drawing/2014/main" id="{5E972FE0-5FE2-4F2E-9A00-74833C7B976D}"/>
+          <p:cNvPr id="6" name="Csoportba foglalás 5">
+            <a:extLst>
+              <a:ext uri="{FF2B5EF4-FFF2-40B4-BE49-F238E27FC236}">
+                <a16:creationId xmlns:a16="http://schemas.microsoft.com/office/drawing/2014/main" id="{7C22CABF-3FB1-44DC-A9FE-5644053CEF23}"/>
               </a:ext>
             </a:extLst>
           </p:cNvPr>
@@ -3489,18 +3489,18 @@
         </p:nvGrpSpPr>
         <p:grpSpPr>
           <a:xfrm>
-            <a:off x="1706743" y="656838"/>
-            <a:ext cx="8778513" cy="5544324"/>
-            <a:chOff x="1192633" y="0"/>
-            <a:chExt cx="8778513" cy="5544324"/>
+            <a:off x="1704362" y="633022"/>
+            <a:ext cx="8783276" cy="5591955"/>
+            <a:chOff x="1704362" y="633022"/>
+            <a:chExt cx="8783276" cy="5591955"/>
           </a:xfrm>
         </p:grpSpPr>
         <p:pic>
           <p:nvPicPr>
-            <p:cNvPr id="3" name="Kép 2">
+            <p:cNvPr id="4" name="Kép 3">
               <a:extLst>
                 <a:ext uri="{FF2B5EF4-FFF2-40B4-BE49-F238E27FC236}">
-                  <a16:creationId xmlns:a16="http://schemas.microsoft.com/office/drawing/2014/main" id="{861BED2B-10B2-43ED-8082-E8DBEBD96300}"/>
+                  <a16:creationId xmlns:a16="http://schemas.microsoft.com/office/drawing/2014/main" id="{5A3D7C92-765E-472F-AE4D-48A3771B6669}"/>
                 </a:ext>
               </a:extLst>
             </p:cNvPr>
@@ -3523,8 +3523,8 @@
           </p:blipFill>
           <p:spPr>
             <a:xfrm>
-              <a:off x="1192633" y="0"/>
-              <a:ext cx="8773749" cy="5544324"/>
+              <a:off x="1704362" y="633022"/>
+              <a:ext cx="8783276" cy="5591955"/>
             </a:xfrm>
             <a:prstGeom prst="rect">
               <a:avLst/>
@@ -3604,7 +3604,7 @@
           </p:blipFill>
           <p:spPr>
             <a:xfrm>
-              <a:off x="5579508" y="2572109"/>
+              <a:off x="6093618" y="3228947"/>
               <a:ext cx="4391638" cy="2972215"/>
             </a:xfrm>
             <a:prstGeom prst="rect">
